--- a/BinancePresentation.pptx
+++ b/BinancePresentation.pptx
@@ -3335,7 +3335,7 @@
         </p:nvGrpSpPr>
         <p:grpSpPr>
           <a:xfrm>
-            <a:off x="1879137" y="343949"/>
+            <a:off x="1845581" y="352338"/>
             <a:ext cx="8719655" cy="5629882"/>
             <a:chOff x="939569" y="0"/>
             <a:chExt cx="8719655" cy="5629882"/>
@@ -3958,6 +3958,122 @@
           </p:spPr>
         </p:pic>
       </p:grpSp>
+      <p:pic>
+        <p:nvPicPr>
+          <p:cNvPr id="44" name="Elemento grafico 43">
+            <a:extLst>
+              <a:ext uri="{FF2B5EF4-FFF2-40B4-BE49-F238E27FC236}">
+                <a16:creationId xmlns:a16="http://schemas.microsoft.com/office/drawing/2014/main" id="{00B859F5-2166-4A71-B155-20EBAE7A12AD}"/>
+              </a:ext>
+            </a:extLst>
+          </p:cNvPr>
+          <p:cNvPicPr>
+            <a:picLocks noChangeAspect="1"/>
+          </p:cNvPicPr>
+          <p:nvPr/>
+        </p:nvPicPr>
+        <p:blipFill>
+          <a:blip r:embed="rId11">
+            <a:extLst>
+              <a:ext uri="{28A0092B-C50C-407E-A947-70E740481C1C}">
+                <a14:useLocalDpi xmlns:a14="http://schemas.microsoft.com/office/drawing/2010/main" val="0"/>
+              </a:ext>
+              <a:ext uri="{96DAC541-7B7A-43D3-8B79-37D633B846F1}">
+                <asvg:svgBlip xmlns:asvg="http://schemas.microsoft.com/office/drawing/2016/SVG/main" r:embed="rId12"/>
+              </a:ext>
+            </a:extLst>
+          </a:blip>
+          <a:stretch>
+            <a:fillRect/>
+          </a:stretch>
+        </p:blipFill>
+        <p:spPr>
+          <a:xfrm>
+            <a:off x="2284122" y="494349"/>
+            <a:ext cx="1256756" cy="837837"/>
+          </a:xfrm>
+          <a:prstGeom prst="rect">
+            <a:avLst/>
+          </a:prstGeom>
+        </p:spPr>
+      </p:pic>
+      <p:cxnSp>
+        <p:nvCxnSpPr>
+          <p:cNvPr id="46" name="Connettore 2 45">
+            <a:extLst>
+              <a:ext uri="{FF2B5EF4-FFF2-40B4-BE49-F238E27FC236}">
+                <a16:creationId xmlns:a16="http://schemas.microsoft.com/office/drawing/2014/main" id="{CA2272A1-9EC6-4FF7-9802-427894B74B47}"/>
+              </a:ext>
+            </a:extLst>
+          </p:cNvPr>
+          <p:cNvCxnSpPr>
+            <a:cxnSpLocks/>
+          </p:cNvCxnSpPr>
+          <p:nvPr/>
+        </p:nvCxnSpPr>
+        <p:spPr>
+          <a:xfrm>
+            <a:off x="2912500" y="1664887"/>
+            <a:ext cx="0" cy="2023559"/>
+          </a:xfrm>
+          <a:prstGeom prst="straightConnector1">
+            <a:avLst/>
+          </a:prstGeom>
+          <a:ln>
+            <a:headEnd type="triangle"/>
+            <a:tailEnd type="triangle"/>
+          </a:ln>
+        </p:spPr>
+        <p:style>
+          <a:lnRef idx="1">
+            <a:schemeClr val="dk1"/>
+          </a:lnRef>
+          <a:fillRef idx="0">
+            <a:schemeClr val="dk1"/>
+          </a:fillRef>
+          <a:effectRef idx="0">
+            <a:schemeClr val="dk1"/>
+          </a:effectRef>
+          <a:fontRef idx="minor">
+            <a:schemeClr val="tx1"/>
+          </a:fontRef>
+        </p:style>
+      </p:cxnSp>
+      <p:sp>
+        <p:nvSpPr>
+          <p:cNvPr id="58" name="CasellaDiTesto 57">
+            <a:extLst>
+              <a:ext uri="{FF2B5EF4-FFF2-40B4-BE49-F238E27FC236}">
+                <a16:creationId xmlns:a16="http://schemas.microsoft.com/office/drawing/2014/main" id="{29B98D31-0ED9-4E76-A6CA-748B53BF9BD3}"/>
+              </a:ext>
+            </a:extLst>
+          </p:cNvPr>
+          <p:cNvSpPr txBox="1"/>
+          <p:nvPr/>
+        </p:nvSpPr>
+        <p:spPr>
+          <a:xfrm>
+            <a:off x="2320831" y="1102579"/>
+            <a:ext cx="1183337" cy="584775"/>
+          </a:xfrm>
+          <a:prstGeom prst="rect">
+            <a:avLst/>
+          </a:prstGeom>
+          <a:noFill/>
+        </p:spPr>
+        <p:txBody>
+          <a:bodyPr wrap="none" rtlCol="0">
+            <a:spAutoFit/>
+          </a:bodyPr>
+          <a:lstStyle/>
+          <a:p>
+            <a:r>
+              <a:rPr lang="it-IT" sz="3200" dirty="0"/>
+              <a:t>{ API }</a:t>
+            </a:r>
+          </a:p>
+        </p:txBody>
+      </p:sp>
     </p:spTree>
     <p:extLst>
       <p:ext uri="{BB962C8B-B14F-4D97-AF65-F5344CB8AC3E}">
